--- a/Py B - unit 5.pptx
+++ b/Py B - unit 5.pptx
@@ -12,6 +12,7 @@
     <p:sldId id="262" r:id="rId6"/>
     <p:sldId id="264" r:id="rId7"/>
     <p:sldId id="284" r:id="rId8"/>
+    <p:sldId id="285" r:id="rId9"/>
   </p:sldIdLst>
   <p:sldSz cx="12192000" cy="6858000"/>
   <p:notesSz cx="6858000" cy="9144000"/>
@@ -116,6 +117,14 @@
     </p:ext>
   </p:extLst>
 </p:presentation>
+</file>
+
+<file path=ppt/revisionInfo.xml><?xml version="1.0" encoding="utf-8"?>
+<p1510:revInfo xmlns:a="http://schemas.openxmlformats.org/drawingml/2006/main" xmlns:r="http://schemas.openxmlformats.org/officeDocument/2006/relationships" xmlns:p1510="http://schemas.microsoft.com/office/powerpoint/2015/10/main">
+  <p1510:revLst>
+    <p1510:client id="{C331BB20-F6CA-404B-BECA-7EAC73D6099E}" v="4" dt="2022-03-16T08:59:18.633"/>
+  </p1510:revLst>
+</p1510:revInfo>
 </file>
 
 <file path=ppt/changesInfos/changesInfo1.xml><?xml version="1.0" encoding="utf-8"?>
@@ -466,6 +475,70 @@
     </pc:docChg>
   </pc:docChgLst>
   <pc:docChgLst>
+    <pc:chgData name="Li Lixiang" userId="6104bbfcb56aea79" providerId="LiveId" clId="{C331BB20-F6CA-404B-BECA-7EAC73D6099E}"/>
+    <pc:docChg chg="undo custSel addSld modSld">
+      <pc:chgData name="Li Lixiang" userId="6104bbfcb56aea79" providerId="LiveId" clId="{C331BB20-F6CA-404B-BECA-7EAC73D6099E}" dt="2022-03-16T09:00:05.261" v="186" actId="1076"/>
+      <pc:docMkLst>
+        <pc:docMk/>
+      </pc:docMkLst>
+      <pc:sldChg chg="addSp delSp modSp new mod">
+        <pc:chgData name="Li Lixiang" userId="6104bbfcb56aea79" providerId="LiveId" clId="{C331BB20-F6CA-404B-BECA-7EAC73D6099E}" dt="2022-03-16T09:00:05.261" v="186" actId="1076"/>
+        <pc:sldMkLst>
+          <pc:docMk/>
+          <pc:sldMk cId="3732044717" sldId="285"/>
+        </pc:sldMkLst>
+        <pc:spChg chg="mod">
+          <ac:chgData name="Li Lixiang" userId="6104bbfcb56aea79" providerId="LiveId" clId="{C331BB20-F6CA-404B-BECA-7EAC73D6099E}" dt="2022-03-16T08:54:48.201" v="17" actId="20577"/>
+          <ac:spMkLst>
+            <pc:docMk/>
+            <pc:sldMk cId="3732044717" sldId="285"/>
+            <ac:spMk id="2" creationId="{2AEBA579-5AD1-432A-815D-9C8B06A3667E}"/>
+          </ac:spMkLst>
+        </pc:spChg>
+        <pc:spChg chg="del">
+          <ac:chgData name="Li Lixiang" userId="6104bbfcb56aea79" providerId="LiveId" clId="{C331BB20-F6CA-404B-BECA-7EAC73D6099E}" dt="2022-03-16T08:54:52" v="18"/>
+          <ac:spMkLst>
+            <pc:docMk/>
+            <pc:sldMk cId="3732044717" sldId="285"/>
+            <ac:spMk id="3" creationId="{5E579B69-C422-4A88-BC1E-D9F4E71600DC}"/>
+          </ac:spMkLst>
+        </pc:spChg>
+        <pc:spChg chg="add mod">
+          <ac:chgData name="Li Lixiang" userId="6104bbfcb56aea79" providerId="LiveId" clId="{C331BB20-F6CA-404B-BECA-7EAC73D6099E}" dt="2022-03-16T09:00:05.261" v="186" actId="1076"/>
+          <ac:spMkLst>
+            <pc:docMk/>
+            <pc:sldMk cId="3732044717" sldId="285"/>
+            <ac:spMk id="8" creationId="{D2458287-F34D-4023-B5B8-93D277A622FF}"/>
+          </ac:spMkLst>
+        </pc:spChg>
+        <pc:picChg chg="add mod">
+          <ac:chgData name="Li Lixiang" userId="6104bbfcb56aea79" providerId="LiveId" clId="{C331BB20-F6CA-404B-BECA-7EAC73D6099E}" dt="2022-03-16T08:59:26.540" v="101" actId="14100"/>
+          <ac:picMkLst>
+            <pc:docMk/>
+            <pc:sldMk cId="3732044717" sldId="285"/>
+            <ac:picMk id="5" creationId="{94C442F3-8C23-42F0-9ECA-824D09E22620}"/>
+          </ac:picMkLst>
+        </pc:picChg>
+        <pc:picChg chg="add del mod">
+          <ac:chgData name="Li Lixiang" userId="6104bbfcb56aea79" providerId="LiveId" clId="{C331BB20-F6CA-404B-BECA-7EAC73D6099E}" dt="2022-03-16T08:54:56.672" v="24" actId="478"/>
+          <ac:picMkLst>
+            <pc:docMk/>
+            <pc:sldMk cId="3732044717" sldId="285"/>
+            <ac:picMk id="7" creationId="{6D659249-CE88-4888-933D-8CB812F5536E}"/>
+          </ac:picMkLst>
+        </pc:picChg>
+        <pc:picChg chg="add mod">
+          <ac:chgData name="Li Lixiang" userId="6104bbfcb56aea79" providerId="LiveId" clId="{C331BB20-F6CA-404B-BECA-7EAC73D6099E}" dt="2022-03-16T09:00:01.733" v="185" actId="1076"/>
+          <ac:picMkLst>
+            <pc:docMk/>
+            <pc:sldMk cId="3732044717" sldId="285"/>
+            <ac:picMk id="10" creationId="{2F0EE411-7BB1-4DDC-B7C0-1E0DFDD5AA9E}"/>
+          </ac:picMkLst>
+        </pc:picChg>
+      </pc:sldChg>
+    </pc:docChg>
+  </pc:docChgLst>
+  <pc:docChgLst>
     <pc:chgData name="Li Lixiang" userId="6104bbfcb56aea79" providerId="LiveId" clId="{03402CCC-482D-4436-81FC-126C6633C57D}"/>
     <pc:docChg chg="custSel addSld delSld modSld sldOrd">
       <pc:chgData name="Li Lixiang" userId="6104bbfcb56aea79" providerId="LiveId" clId="{03402CCC-482D-4436-81FC-126C6633C57D}" dt="2021-06-08T08:40:05.536" v="30" actId="2696"/>
@@ -782,7 +855,7 @@
             <a:fld id="{B61BEF0D-F0BB-DE4B-95CE-6DB70DBA9567}" type="datetimeFigureOut">
               <a:rPr lang="en-US" dirty="0"/>
               <a:pPr/>
-              <a:t>6/8/2021</a:t>
+              <a:t>3/16/2022</a:t>
             </a:fld>
             <a:endParaRPr lang="en-US" dirty="0"/>
           </a:p>
@@ -1113,7 +1186,7 @@
             <a:fld id="{B61BEF0D-F0BB-DE4B-95CE-6DB70DBA9567}" type="datetimeFigureOut">
               <a:rPr lang="en-US" dirty="0"/>
               <a:pPr/>
-              <a:t>6/8/2021</a:t>
+              <a:t>3/16/2022</a:t>
             </a:fld>
             <a:endParaRPr lang="en-US" dirty="0"/>
           </a:p>
@@ -1388,7 +1461,7 @@
             <a:fld id="{B61BEF0D-F0BB-DE4B-95CE-6DB70DBA9567}" type="datetimeFigureOut">
               <a:rPr lang="en-US" dirty="0"/>
               <a:pPr/>
-              <a:t>6/8/2021</a:t>
+              <a:t>3/16/2022</a:t>
             </a:fld>
             <a:endParaRPr lang="en-US" dirty="0"/>
           </a:p>
@@ -1953,7 +2026,7 @@
             <a:fld id="{B61BEF0D-F0BB-DE4B-95CE-6DB70DBA9567}" type="datetimeFigureOut">
               <a:rPr lang="en-US" dirty="0"/>
               <a:pPr/>
-              <a:t>6/8/2021</a:t>
+              <a:t>3/16/2022</a:t>
             </a:fld>
             <a:endParaRPr lang="en-US" dirty="0"/>
           </a:p>
@@ -2228,7 +2301,7 @@
             <a:fld id="{B61BEF0D-F0BB-DE4B-95CE-6DB70DBA9567}" type="datetimeFigureOut">
               <a:rPr lang="en-US" dirty="0"/>
               <a:pPr/>
-              <a:t>6/8/2021</a:t>
+              <a:t>3/16/2022</a:t>
             </a:fld>
             <a:endParaRPr lang="en-US" dirty="0"/>
           </a:p>
@@ -2787,7 +2860,7 @@
             <a:fld id="{B61BEF0D-F0BB-DE4B-95CE-6DB70DBA9567}" type="datetimeFigureOut">
               <a:rPr lang="en-US" dirty="0"/>
               <a:pPr/>
-              <a:t>6/8/2021</a:t>
+              <a:t>3/16/2022</a:t>
             </a:fld>
             <a:endParaRPr lang="en-US" dirty="0"/>
           </a:p>
@@ -3111,7 +3184,7 @@
             <a:fld id="{B61BEF0D-F0BB-DE4B-95CE-6DB70DBA9567}" type="datetimeFigureOut">
               <a:rPr lang="en-US" dirty="0"/>
               <a:pPr/>
-              <a:t>6/8/2021</a:t>
+              <a:t>3/16/2022</a:t>
             </a:fld>
             <a:endParaRPr lang="en-US" dirty="0"/>
           </a:p>
@@ -3285,7 +3358,7 @@
             <a:fld id="{B61BEF0D-F0BB-DE4B-95CE-6DB70DBA9567}" type="datetimeFigureOut">
               <a:rPr lang="en-US" dirty="0"/>
               <a:pPr/>
-              <a:t>6/8/2021</a:t>
+              <a:t>3/16/2022</a:t>
             </a:fld>
             <a:endParaRPr lang="en-US" dirty="0"/>
           </a:p>
@@ -3520,7 +3593,7 @@
             <a:fld id="{B61BEF0D-F0BB-DE4B-95CE-6DB70DBA9567}" type="datetimeFigureOut">
               <a:rPr lang="en-US" dirty="0"/>
               <a:pPr/>
-              <a:t>6/8/2021</a:t>
+              <a:t>3/16/2022</a:t>
             </a:fld>
             <a:endParaRPr lang="en-US" dirty="0"/>
           </a:p>
@@ -3717,7 +3790,7 @@
             <a:fld id="{B61BEF0D-F0BB-DE4B-95CE-6DB70DBA9567}" type="datetimeFigureOut">
               <a:rPr lang="en-US" dirty="0"/>
               <a:pPr/>
-              <a:t>6/8/2021</a:t>
+              <a:t>3/16/2022</a:t>
             </a:fld>
             <a:endParaRPr lang="en-US" dirty="0"/>
           </a:p>
@@ -3990,7 +4063,7 @@
             <a:fld id="{B61BEF0D-F0BB-DE4B-95CE-6DB70DBA9567}" type="datetimeFigureOut">
               <a:rPr lang="en-US" dirty="0"/>
               <a:pPr/>
-              <a:t>6/8/2021</a:t>
+              <a:t>3/16/2022</a:t>
             </a:fld>
             <a:endParaRPr lang="en-US" dirty="0"/>
           </a:p>
@@ -4253,7 +4326,7 @@
             <a:fld id="{B61BEF0D-F0BB-DE4B-95CE-6DB70DBA9567}" type="datetimeFigureOut">
               <a:rPr lang="en-US" dirty="0"/>
               <a:pPr/>
-              <a:t>6/8/2021</a:t>
+              <a:t>3/16/2022</a:t>
             </a:fld>
             <a:endParaRPr lang="en-US" dirty="0"/>
           </a:p>
@@ -4624,7 +4697,7 @@
             <a:fld id="{B61BEF0D-F0BB-DE4B-95CE-6DB70DBA9567}" type="datetimeFigureOut">
               <a:rPr lang="en-US" dirty="0"/>
               <a:pPr/>
-              <a:t>6/8/2021</a:t>
+              <a:t>3/16/2022</a:t>
             </a:fld>
             <a:endParaRPr lang="en-US" dirty="0"/>
           </a:p>
@@ -4769,7 +4842,7 @@
             <a:fld id="{B61BEF0D-F0BB-DE4B-95CE-6DB70DBA9567}" type="datetimeFigureOut">
               <a:rPr lang="en-US" dirty="0"/>
               <a:pPr/>
-              <a:t>6/8/2021</a:t>
+              <a:t>3/16/2022</a:t>
             </a:fld>
             <a:endParaRPr lang="en-US" dirty="0"/>
           </a:p>
@@ -4891,7 +4964,7 @@
             <a:fld id="{B61BEF0D-F0BB-DE4B-95CE-6DB70DBA9567}" type="datetimeFigureOut">
               <a:rPr lang="en-US" dirty="0"/>
               <a:pPr/>
-              <a:t>6/8/2021</a:t>
+              <a:t>3/16/2022</a:t>
             </a:fld>
             <a:endParaRPr lang="en-US" dirty="0"/>
           </a:p>
@@ -5173,7 +5246,7 @@
             <a:fld id="{B61BEF0D-F0BB-DE4B-95CE-6DB70DBA9567}" type="datetimeFigureOut">
               <a:rPr lang="en-US" dirty="0"/>
               <a:pPr/>
-              <a:t>6/8/2021</a:t>
+              <a:t>3/16/2022</a:t>
             </a:fld>
             <a:endParaRPr lang="en-US" dirty="0"/>
           </a:p>
@@ -5494,7 +5567,7 @@
             <a:fld id="{B61BEF0D-F0BB-DE4B-95CE-6DB70DBA9567}" type="datetimeFigureOut">
               <a:rPr lang="en-US" dirty="0"/>
               <a:pPr/>
-              <a:t>6/8/2021</a:t>
+              <a:t>3/16/2022</a:t>
             </a:fld>
             <a:endParaRPr lang="en-US" dirty="0"/>
           </a:p>
@@ -5705,7 +5778,7 @@
             <a:fld id="{B61BEF0D-F0BB-DE4B-95CE-6DB70DBA9567}" type="datetimeFigureOut">
               <a:rPr lang="en-US" dirty="0"/>
               <a:pPr/>
-              <a:t>6/8/2021</a:t>
+              <a:t>3/16/2022</a:t>
             </a:fld>
             <a:endParaRPr lang="en-US" dirty="0"/>
           </a:p>
@@ -7439,6 +7512,179 @@
 </p:sld>
 </file>
 
+<file path=ppt/slides/slide8.xml><?xml version="1.0" encoding="utf-8"?>
+<p:sld xmlns:a="http://schemas.openxmlformats.org/drawingml/2006/main" xmlns:r="http://schemas.openxmlformats.org/officeDocument/2006/relationships" xmlns:p="http://schemas.openxmlformats.org/presentationml/2006/main">
+  <p:cSld>
+    <p:spTree>
+      <p:nvGrpSpPr>
+        <p:cNvPr id="1" name=""/>
+        <p:cNvGrpSpPr/>
+        <p:nvPr/>
+      </p:nvGrpSpPr>
+      <p:grpSpPr>
+        <a:xfrm>
+          <a:off x="0" y="0"/>
+          <a:ext cx="0" cy="0"/>
+          <a:chOff x="0" y="0"/>
+          <a:chExt cx="0" cy="0"/>
+        </a:xfrm>
+      </p:grpSpPr>
+      <p:sp>
+        <p:nvSpPr>
+          <p:cNvPr id="2" name="Title 1">
+            <a:extLst>
+              <a:ext uri="{FF2B5EF4-FFF2-40B4-BE49-F238E27FC236}">
+                <a16:creationId xmlns:a16="http://schemas.microsoft.com/office/drawing/2014/main" id="{2AEBA579-5AD1-432A-815D-9C8B06A3667E}"/>
+              </a:ext>
+            </a:extLst>
+          </p:cNvPr>
+          <p:cNvSpPr>
+            <a:spLocks noGrp="1"/>
+          </p:cNvSpPr>
+          <p:nvPr>
+            <p:ph type="title"/>
+          </p:nvPr>
+        </p:nvSpPr>
+        <p:spPr/>
+        <p:txBody>
+          <a:bodyPr/>
+          <a:lstStyle/>
+          <a:p>
+            <a:r>
+              <a:rPr lang="en-US" dirty="0"/>
+              <a:t>Treasure finding</a:t>
+            </a:r>
+            <a:endParaRPr lang="en-MY" dirty="0"/>
+          </a:p>
+        </p:txBody>
+      </p:sp>
+      <p:pic>
+        <p:nvPicPr>
+          <p:cNvPr id="5" name="Content Placeholder 4" descr="A picture containing map&#10;&#10;Description automatically generated">
+            <a:extLst>
+              <a:ext uri="{FF2B5EF4-FFF2-40B4-BE49-F238E27FC236}">
+                <a16:creationId xmlns:a16="http://schemas.microsoft.com/office/drawing/2014/main" id="{94C442F3-8C23-42F0-9ECA-824D09E22620}"/>
+              </a:ext>
+            </a:extLst>
+          </p:cNvPr>
+          <p:cNvPicPr>
+            <a:picLocks noGrp="1" noChangeAspect="1"/>
+          </p:cNvPicPr>
+          <p:nvPr>
+            <p:ph idx="1"/>
+          </p:nvPr>
+        </p:nvPicPr>
+        <p:blipFill>
+          <a:blip r:embed="rId2"/>
+          <a:stretch>
+            <a:fillRect/>
+          </a:stretch>
+        </p:blipFill>
+        <p:spPr>
+          <a:xfrm>
+            <a:off x="8851769" y="3517963"/>
+            <a:ext cx="3099002" cy="3099002"/>
+          </a:xfrm>
+        </p:spPr>
+      </p:pic>
+      <p:sp>
+        <p:nvSpPr>
+          <p:cNvPr id="8" name="TextBox 7">
+            <a:extLst>
+              <a:ext uri="{FF2B5EF4-FFF2-40B4-BE49-F238E27FC236}">
+                <a16:creationId xmlns:a16="http://schemas.microsoft.com/office/drawing/2014/main" id="{D2458287-F34D-4023-B5B8-93D277A622FF}"/>
+              </a:ext>
+            </a:extLst>
+          </p:cNvPr>
+          <p:cNvSpPr txBox="1"/>
+          <p:nvPr/>
+        </p:nvSpPr>
+        <p:spPr>
+          <a:xfrm>
+            <a:off x="717151" y="2065867"/>
+            <a:ext cx="5034362" cy="1477328"/>
+          </a:xfrm>
+          <a:prstGeom prst="rect">
+            <a:avLst/>
+          </a:prstGeom>
+          <a:noFill/>
+        </p:spPr>
+        <p:txBody>
+          <a:bodyPr wrap="square" rtlCol="0">
+            <a:spAutoFit/>
+          </a:bodyPr>
+          <a:lstStyle/>
+          <a:p>
+            <a:r>
+              <a:rPr lang="en-US" dirty="0"/>
+              <a:t>Download a map. Search “treasure map” with google, or download the following one (</a:t>
+            </a:r>
+            <a:r>
+              <a:rPr lang="en-US" dirty="0">
+                <a:hlinkClick r:id="rId3"/>
+              </a:rPr>
+              <a:t>https://nostarch.com/images/treasuremap.png</a:t>
+            </a:r>
+            <a:r>
+              <a:rPr lang="en-US" dirty="0"/>
+              <a:t>)</a:t>
+            </a:r>
+          </a:p>
+          <a:p>
+            <a:endParaRPr lang="en-US" dirty="0"/>
+          </a:p>
+          <a:p>
+            <a:r>
+              <a:rPr lang="en-US" dirty="0"/>
+              <a:t>Convert it to GIF and use it in turtle</a:t>
+            </a:r>
+            <a:endParaRPr lang="en-MY" dirty="0"/>
+          </a:p>
+        </p:txBody>
+      </p:sp>
+      <p:pic>
+        <p:nvPicPr>
+          <p:cNvPr id="10" name="Picture 9" descr="Map&#10;&#10;Description automatically generated">
+            <a:extLst>
+              <a:ext uri="{FF2B5EF4-FFF2-40B4-BE49-F238E27FC236}">
+                <a16:creationId xmlns:a16="http://schemas.microsoft.com/office/drawing/2014/main" id="{2F0EE411-7BB1-4DDC-B7C0-1E0DFDD5AA9E}"/>
+              </a:ext>
+            </a:extLst>
+          </p:cNvPr>
+          <p:cNvPicPr>
+            <a:picLocks noChangeAspect="1"/>
+          </p:cNvPicPr>
+          <p:nvPr/>
+        </p:nvPicPr>
+        <p:blipFill>
+          <a:blip r:embed="rId4"/>
+          <a:stretch>
+            <a:fillRect/>
+          </a:stretch>
+        </p:blipFill>
+        <p:spPr>
+          <a:xfrm>
+            <a:off x="4874166" y="3725578"/>
+            <a:ext cx="3734962" cy="2809257"/>
+          </a:xfrm>
+          <a:prstGeom prst="rect">
+            <a:avLst/>
+          </a:prstGeom>
+        </p:spPr>
+      </p:pic>
+    </p:spTree>
+    <p:extLst>
+      <p:ext uri="{BB962C8B-B14F-4D97-AF65-F5344CB8AC3E}">
+        <p14:creationId xmlns:p14="http://schemas.microsoft.com/office/powerpoint/2010/main" val="3732044717"/>
+      </p:ext>
+    </p:extLst>
+  </p:cSld>
+  <p:clrMapOvr>
+    <a:masterClrMapping/>
+  </p:clrMapOvr>
+</p:sld>
+</file>
+
 <file path=ppt/theme/theme1.xml><?xml version="1.0" encoding="utf-8"?>
 <a:theme xmlns:a="http://schemas.openxmlformats.org/drawingml/2006/main" name="天体">
   <a:themeElements>
